--- a/Powerpoint catchup.pptx
+++ b/Powerpoint catchup.pptx
@@ -8,6 +8,7 @@
     <p:sldId id="256" r:id="rId2"/>
     <p:sldId id="257" r:id="rId3"/>
     <p:sldId id="258" r:id="rId4"/>
+    <p:sldId id="259" r:id="rId5"/>
   </p:sldIdLst>
   <p:sldSz cx="12192000" cy="6858000"/>
   <p:notesSz cx="6858000" cy="9144000"/>
@@ -3468,6 +3469,53 @@
           </p:txBody>
         </p:sp>
       </p:grpSp>
+      <p:sp>
+        <p:nvSpPr>
+          <p:cNvPr id="2" name="TextBox 1">
+            <a:extLst>
+              <a:ext uri="{FF2B5EF4-FFF2-40B4-BE49-F238E27FC236}">
+                <a16:creationId xmlns:a16="http://schemas.microsoft.com/office/drawing/2014/main" id="{25CE6700-9F10-BFD3-B161-02C375309E1D}"/>
+              </a:ext>
+            </a:extLst>
+          </p:cNvPr>
+          <p:cNvSpPr txBox="1"/>
+          <p:nvPr/>
+        </p:nvSpPr>
+        <p:spPr>
+          <a:xfrm>
+            <a:off x="4294207" y="5058140"/>
+            <a:ext cx="862737" cy="400110"/>
+          </a:xfrm>
+          <a:prstGeom prst="rect">
+            <a:avLst/>
+          </a:prstGeom>
+          <a:noFill/>
+        </p:spPr>
+        <p:txBody>
+          <a:bodyPr wrap="none" rtlCol="0">
+            <a:spAutoFit/>
+          </a:bodyPr>
+          <a:lstStyle/>
+          <a:p>
+            <a:r>
+              <a:rPr lang="en-AU" sz="1000" dirty="0">
+                <a:latin typeface="Times New Roman" panose="02020603050405020304" pitchFamily="18" charset="0"/>
+                <a:cs typeface="Times New Roman" panose="02020603050405020304" pitchFamily="18" charset="0"/>
+              </a:rPr>
+              <a:t>A = Ablation</a:t>
+            </a:r>
+          </a:p>
+          <a:p>
+            <a:r>
+              <a:rPr lang="en-AU" sz="1000" dirty="0">
+                <a:latin typeface="Times New Roman" panose="02020603050405020304" pitchFamily="18" charset="0"/>
+                <a:cs typeface="Times New Roman" panose="02020603050405020304" pitchFamily="18" charset="0"/>
+              </a:rPr>
+              <a:t>C = Control </a:t>
+            </a:r>
+          </a:p>
+        </p:txBody>
+      </p:sp>
     </p:spTree>
     <p:extLst>
       <p:ext uri="{BB962C8B-B14F-4D97-AF65-F5344CB8AC3E}">
@@ -6137,6 +6185,201 @@
 </p:sld>
 </file>
 
+<file path=ppt/slides/slide4.xml><?xml version="1.0" encoding="utf-8"?>
+<p:sld xmlns:a="http://schemas.openxmlformats.org/drawingml/2006/main" xmlns:r="http://schemas.openxmlformats.org/officeDocument/2006/relationships" xmlns:p="http://schemas.openxmlformats.org/presentationml/2006/main">
+  <p:cSld>
+    <p:spTree>
+      <p:nvGrpSpPr>
+        <p:cNvPr id="1" name="">
+          <a:extLst>
+            <a:ext uri="{FF2B5EF4-FFF2-40B4-BE49-F238E27FC236}">
+              <a16:creationId xmlns:a16="http://schemas.microsoft.com/office/drawing/2014/main" id="{0A15304D-CF19-029F-F888-38FB60B7D5B6}"/>
+            </a:ext>
+          </a:extLst>
+        </p:cNvPr>
+        <p:cNvGrpSpPr/>
+        <p:nvPr/>
+      </p:nvGrpSpPr>
+      <p:grpSpPr>
+        <a:xfrm>
+          <a:off x="0" y="0"/>
+          <a:ext cx="0" cy="0"/>
+          <a:chOff x="0" y="0"/>
+          <a:chExt cx="0" cy="0"/>
+        </a:xfrm>
+      </p:grpSpPr>
+      <p:sp>
+        <p:nvSpPr>
+          <p:cNvPr id="4" name="TextBox 3">
+            <a:extLst>
+              <a:ext uri="{FF2B5EF4-FFF2-40B4-BE49-F238E27FC236}">
+                <a16:creationId xmlns:a16="http://schemas.microsoft.com/office/drawing/2014/main" id="{5B693B65-3BDC-5C18-61F6-D9F5060D33F3}"/>
+              </a:ext>
+            </a:extLst>
+          </p:cNvPr>
+          <p:cNvSpPr txBox="1"/>
+          <p:nvPr/>
+        </p:nvSpPr>
+        <p:spPr>
+          <a:xfrm>
+            <a:off x="255653" y="212830"/>
+            <a:ext cx="3062570" cy="646331"/>
+          </a:xfrm>
+          <a:prstGeom prst="rect">
+            <a:avLst/>
+          </a:prstGeom>
+          <a:noFill/>
+        </p:spPr>
+        <p:txBody>
+          <a:bodyPr wrap="none" rtlCol="0">
+            <a:spAutoFit/>
+          </a:bodyPr>
+          <a:lstStyle/>
+          <a:p>
+            <a:r>
+              <a:rPr lang="en-AU" sz="3600" b="1" dirty="0" err="1"/>
+              <a:t>MatLab</a:t>
+            </a:r>
+            <a:r>
+              <a:rPr lang="en-AU" sz="3600" b="1" dirty="0"/>
+              <a:t> output</a:t>
+            </a:r>
+          </a:p>
+        </p:txBody>
+      </p:sp>
+      <p:pic>
+        <p:nvPicPr>
+          <p:cNvPr id="11" name="Picture 10" descr="A graph of a growth&#10;&#10;Description automatically generated with medium confidence">
+            <a:extLst>
+              <a:ext uri="{FF2B5EF4-FFF2-40B4-BE49-F238E27FC236}">
+                <a16:creationId xmlns:a16="http://schemas.microsoft.com/office/drawing/2014/main" id="{98769EB9-966B-178B-A3BC-F00F92F72DEC}"/>
+              </a:ext>
+            </a:extLst>
+          </p:cNvPr>
+          <p:cNvPicPr>
+            <a:picLocks noChangeAspect="1"/>
+          </p:cNvPicPr>
+          <p:nvPr/>
+        </p:nvPicPr>
+        <p:blipFill>
+          <a:blip r:embed="rId2"/>
+          <a:stretch>
+            <a:fillRect/>
+          </a:stretch>
+        </p:blipFill>
+        <p:spPr>
+          <a:xfrm>
+            <a:off x="7759700" y="0"/>
+            <a:ext cx="4432300" cy="3175000"/>
+          </a:xfrm>
+          <a:prstGeom prst="rect">
+            <a:avLst/>
+          </a:prstGeom>
+        </p:spPr>
+      </p:pic>
+      <p:pic>
+        <p:nvPicPr>
+          <p:cNvPr id="14" name="Picture 13" descr="A red dotted line with blue line&#10;&#10;Description automatically generated">
+            <a:extLst>
+              <a:ext uri="{FF2B5EF4-FFF2-40B4-BE49-F238E27FC236}">
+                <a16:creationId xmlns:a16="http://schemas.microsoft.com/office/drawing/2014/main" id="{92BD5B6B-6D6D-E881-E50F-9B07F3BE02D9}"/>
+              </a:ext>
+            </a:extLst>
+          </p:cNvPr>
+          <p:cNvPicPr>
+            <a:picLocks noChangeAspect="1"/>
+          </p:cNvPicPr>
+          <p:nvPr/>
+        </p:nvPicPr>
+        <p:blipFill>
+          <a:blip r:embed="rId3"/>
+          <a:stretch>
+            <a:fillRect/>
+          </a:stretch>
+        </p:blipFill>
+        <p:spPr>
+          <a:xfrm>
+            <a:off x="3327400" y="0"/>
+            <a:ext cx="4432300" cy="3175000"/>
+          </a:xfrm>
+          <a:prstGeom prst="rect">
+            <a:avLst/>
+          </a:prstGeom>
+        </p:spPr>
+      </p:pic>
+      <p:pic>
+        <p:nvPicPr>
+          <p:cNvPr id="23" name="Picture 22" descr="A red dotted line with a blue line&#10;&#10;Description automatically generated">
+            <a:extLst>
+              <a:ext uri="{FF2B5EF4-FFF2-40B4-BE49-F238E27FC236}">
+                <a16:creationId xmlns:a16="http://schemas.microsoft.com/office/drawing/2014/main" id="{8255DEC3-7662-4DB6-E580-E3D95BF0BCCC}"/>
+              </a:ext>
+            </a:extLst>
+          </p:cNvPr>
+          <p:cNvPicPr>
+            <a:picLocks noChangeAspect="1"/>
+          </p:cNvPicPr>
+          <p:nvPr/>
+        </p:nvPicPr>
+        <p:blipFill>
+          <a:blip r:embed="rId4"/>
+          <a:stretch>
+            <a:fillRect/>
+          </a:stretch>
+        </p:blipFill>
+        <p:spPr>
+          <a:xfrm>
+            <a:off x="7759700" y="3683000"/>
+            <a:ext cx="4432300" cy="3175000"/>
+          </a:xfrm>
+          <a:prstGeom prst="rect">
+            <a:avLst/>
+          </a:prstGeom>
+        </p:spPr>
+      </p:pic>
+      <p:pic>
+        <p:nvPicPr>
+          <p:cNvPr id="24" name="Picture 23">
+            <a:extLst>
+              <a:ext uri="{FF2B5EF4-FFF2-40B4-BE49-F238E27FC236}">
+                <a16:creationId xmlns:a16="http://schemas.microsoft.com/office/drawing/2014/main" id="{A6BA5798-140A-3A7D-815F-2526052D1280}"/>
+              </a:ext>
+            </a:extLst>
+          </p:cNvPr>
+          <p:cNvPicPr>
+            <a:picLocks noChangeAspect="1"/>
+          </p:cNvPicPr>
+          <p:nvPr/>
+        </p:nvPicPr>
+        <p:blipFill>
+          <a:blip r:embed="rId5"/>
+          <a:stretch>
+            <a:fillRect/>
+          </a:stretch>
+        </p:blipFill>
+        <p:spPr>
+          <a:xfrm>
+            <a:off x="851324" y="3231378"/>
+            <a:ext cx="5538164" cy="3413792"/>
+          </a:xfrm>
+          <a:prstGeom prst="rect">
+            <a:avLst/>
+          </a:prstGeom>
+        </p:spPr>
+      </p:pic>
+    </p:spTree>
+    <p:extLst>
+      <p:ext uri="{BB962C8B-B14F-4D97-AF65-F5344CB8AC3E}">
+        <p14:creationId xmlns:p14="http://schemas.microsoft.com/office/powerpoint/2010/main" val="2742774242"/>
+      </p:ext>
+    </p:extLst>
+  </p:cSld>
+  <p:clrMapOvr>
+    <a:masterClrMapping/>
+  </p:clrMapOvr>
+</p:sld>
+</file>
+
 <file path=ppt/theme/theme1.xml><?xml version="1.0" encoding="utf-8"?>
 <a:theme xmlns:a="http://schemas.openxmlformats.org/drawingml/2006/main" name="Office Theme">
   <a:themeElements>
